--- a/And Now Seleniums Watch is Ended.pptx
+++ b/And Now Seleniums Watch is Ended.pptx
@@ -5,7 +5,7 @@
     <p:sldMasterId id="2147483648" r:id="rId1"/>
   </p:sldMasterIdLst>
   <p:notesMasterIdLst>
-    <p:notesMasterId r:id="rId25"/>
+    <p:notesMasterId r:id="rId27"/>
   </p:notesMasterIdLst>
   <p:sldIdLst>
     <p:sldId id="276" r:id="rId2"/>
@@ -24,13 +24,15 @@
     <p:sldId id="339" r:id="rId15"/>
     <p:sldId id="340" r:id="rId16"/>
     <p:sldId id="321" r:id="rId17"/>
-    <p:sldId id="323" r:id="rId18"/>
-    <p:sldId id="325" r:id="rId19"/>
-    <p:sldId id="342" r:id="rId20"/>
-    <p:sldId id="292" r:id="rId21"/>
-    <p:sldId id="345" r:id="rId22"/>
-    <p:sldId id="346" r:id="rId23"/>
-    <p:sldId id="315" r:id="rId24"/>
+    <p:sldId id="347" r:id="rId18"/>
+    <p:sldId id="323" r:id="rId19"/>
+    <p:sldId id="325" r:id="rId20"/>
+    <p:sldId id="342" r:id="rId21"/>
+    <p:sldId id="348" r:id="rId22"/>
+    <p:sldId id="292" r:id="rId23"/>
+    <p:sldId id="345" r:id="rId24"/>
+    <p:sldId id="346" r:id="rId25"/>
+    <p:sldId id="315" r:id="rId26"/>
   </p:sldIdLst>
   <p:sldSz cx="12192000" cy="6858000"/>
   <p:notesSz cx="6858000" cy="9144000"/>
@@ -1280,7 +1282,7 @@
           <a:p>
             <a:fld id="{D06C7275-F3C5-4EE7-8C54-771BE2CF8BB4}" type="slidenum">
               <a:rPr lang="en-US" smtClean="0"/>
-              <a:t>17</a:t>
+              <a:t>18</a:t>
             </a:fld>
             <a:endParaRPr lang="en-US"/>
           </a:p>
@@ -1379,7 +1381,7 @@
           <a:p>
             <a:fld id="{D06C7275-F3C5-4EE7-8C54-771BE2CF8BB4}" type="slidenum">
               <a:rPr lang="en-US" smtClean="0"/>
-              <a:t>20</a:t>
+              <a:t>22</a:t>
             </a:fld>
             <a:endParaRPr lang="en-US"/>
           </a:p>
@@ -1466,7 +1468,7 @@
           <a:p>
             <a:fld id="{D06C7275-F3C5-4EE7-8C54-771BE2CF8BB4}" type="slidenum">
               <a:rPr lang="en-US" smtClean="0"/>
-              <a:t>21</a:t>
+              <a:t>23</a:t>
             </a:fld>
             <a:endParaRPr lang="en-US"/>
           </a:p>
@@ -1553,7 +1555,7 @@
           <a:p>
             <a:fld id="{D06C7275-F3C5-4EE7-8C54-771BE2CF8BB4}" type="slidenum">
               <a:rPr lang="en-US" smtClean="0"/>
-              <a:t>22</a:t>
+              <a:t>24</a:t>
             </a:fld>
             <a:endParaRPr lang="en-US"/>
           </a:p>
@@ -1975,6 +1977,15 @@
         <p:txBody>
           <a:bodyPr/>
           <a:lstStyle/>
+          <a:p>
+            <a:r>
+              <a:rPr lang="en-US" dirty="0"/>
+              <a:t>What are our critical paths?</a:t>
+            </a:r>
+          </a:p>
+          <a:p>
+            <a:endParaRPr lang="en-US" dirty="0"/>
+          </a:p>
           <a:p>
             <a:r>
               <a:rPr lang="en-US" dirty="0"/>
@@ -3530,7 +3541,7 @@
           </a:ln>
           <a:extLst>
             <a:ext uri="{C572A759-6A51-4108-AA02-DFA0A04FC94B}">
-              <ma14:wrappingTextBoxFlag xmlns:ma14="http://schemas.microsoft.com/office/mac/drawingml/2011/main" xmlns="" val="1"/>
+              <ma14:wrappingTextBoxFlag xmlns="" xmlns:ma14="http://schemas.microsoft.com/office/mac/drawingml/2011/main" val="1"/>
             </a:ext>
           </a:extLst>
         </p:spPr>
@@ -3569,7 +3580,7 @@
           </a:ln>
           <a:extLst>
             <a:ext uri="{C572A759-6A51-4108-AA02-DFA0A04FC94B}">
-              <ma14:wrappingTextBoxFlag xmlns:ma14="http://schemas.microsoft.com/office/mac/drawingml/2011/main" xmlns="" val="1"/>
+              <ma14:wrappingTextBoxFlag xmlns="" xmlns:ma14="http://schemas.microsoft.com/office/mac/drawingml/2011/main" val="1"/>
             </a:ext>
           </a:extLst>
         </p:spPr>
@@ -5442,6 +5453,150 @@
       </p:grpSpPr>
       <p:sp>
         <p:nvSpPr>
+          <p:cNvPr id="4" name="Title 3">
+            <a:extLst>
+              <a:ext uri="{FF2B5EF4-FFF2-40B4-BE49-F238E27FC236}">
+                <a16:creationId xmlns:a16="http://schemas.microsoft.com/office/drawing/2014/main" id="{766BC882-425B-43AA-8914-087FC8906697}"/>
+              </a:ext>
+            </a:extLst>
+          </p:cNvPr>
+          <p:cNvSpPr>
+            <a:spLocks noGrp="1"/>
+          </p:cNvSpPr>
+          <p:nvPr>
+            <p:ph type="title"/>
+          </p:nvPr>
+        </p:nvSpPr>
+        <p:spPr/>
+        <p:txBody>
+          <a:bodyPr/>
+          <a:lstStyle/>
+          <a:p>
+            <a:r>
+              <a:rPr lang="en-US" dirty="0"/>
+              <a:t>Setting up a new Cypress project (fast)</a:t>
+            </a:r>
+          </a:p>
+        </p:txBody>
+      </p:sp>
+      <p:sp>
+        <p:nvSpPr>
+          <p:cNvPr id="5" name="Text Placeholder 4">
+            <a:extLst>
+              <a:ext uri="{FF2B5EF4-FFF2-40B4-BE49-F238E27FC236}">
+                <a16:creationId xmlns:a16="http://schemas.microsoft.com/office/drawing/2014/main" id="{B3F54F93-08F8-4928-97CD-B6D161DAA047}"/>
+              </a:ext>
+            </a:extLst>
+          </p:cNvPr>
+          <p:cNvSpPr>
+            <a:spLocks noGrp="1"/>
+          </p:cNvSpPr>
+          <p:nvPr>
+            <p:ph type="body" idx="1"/>
+          </p:nvPr>
+        </p:nvSpPr>
+        <p:spPr/>
+        <p:txBody>
+          <a:bodyPr/>
+          <a:lstStyle/>
+          <a:p>
+            <a:r>
+              <a:rPr lang="en-US" dirty="0" err="1"/>
+              <a:t>npm</a:t>
+            </a:r>
+            <a:r>
+              <a:rPr lang="en-US" dirty="0"/>
+              <a:t> </a:t>
+            </a:r>
+            <a:r>
+              <a:rPr lang="en-US" dirty="0" err="1"/>
+              <a:t>init</a:t>
+            </a:r>
+            <a:endParaRPr lang="en-US" dirty="0"/>
+          </a:p>
+          <a:p>
+            <a:r>
+              <a:rPr lang="en-US" dirty="0" err="1"/>
+              <a:t>npm</a:t>
+            </a:r>
+            <a:r>
+              <a:rPr lang="en-US" dirty="0"/>
+              <a:t> install cypress –save</a:t>
+            </a:r>
+          </a:p>
+          <a:p>
+            <a:r>
+              <a:rPr lang="en-US" dirty="0" err="1"/>
+              <a:t>npm</a:t>
+            </a:r>
+            <a:r>
+              <a:rPr lang="en-US" dirty="0"/>
+              <a:t> install typescript –save</a:t>
+            </a:r>
+          </a:p>
+          <a:p>
+            <a:r>
+              <a:rPr lang="en-US" dirty="0"/>
+              <a:t>Manually add </a:t>
+            </a:r>
+            <a:r>
+              <a:rPr lang="en-US" dirty="0" err="1"/>
+              <a:t>tsconfig</a:t>
+            </a:r>
+            <a:r>
+              <a:rPr lang="en-US" dirty="0"/>
+              <a:t> from cypress website</a:t>
+            </a:r>
+          </a:p>
+          <a:p>
+            <a:r>
+              <a:rPr lang="en-US" dirty="0"/>
+              <a:t>Manually add `cypress open` script in </a:t>
+            </a:r>
+            <a:r>
+              <a:rPr lang="en-US" dirty="0" err="1"/>
+              <a:t>package.json</a:t>
+            </a:r>
+            <a:r>
+              <a:rPr lang="en-US" dirty="0"/>
+              <a:t> and run it</a:t>
+            </a:r>
+          </a:p>
+        </p:txBody>
+      </p:sp>
+    </p:spTree>
+    <p:extLst>
+      <p:ext uri="{BB962C8B-B14F-4D97-AF65-F5344CB8AC3E}">
+        <p14:creationId xmlns:p14="http://schemas.microsoft.com/office/powerpoint/2010/main" val="1101522049"/>
+      </p:ext>
+    </p:extLst>
+  </p:cSld>
+  <p:clrMapOvr>
+    <a:masterClrMapping/>
+  </p:clrMapOvr>
+  <p:transition spd="med"/>
+</p:sld>
+</file>
+
+<file path=ppt/slides/slide18.xml><?xml version="1.0" encoding="utf-8"?>
+<p:sld xmlns:a="http://schemas.openxmlformats.org/drawingml/2006/main" xmlns:r="http://schemas.openxmlformats.org/officeDocument/2006/relationships" xmlns:p="http://schemas.openxmlformats.org/presentationml/2006/main">
+  <p:cSld>
+    <p:spTree>
+      <p:nvGrpSpPr>
+        <p:cNvPr id="1" name=""/>
+        <p:cNvGrpSpPr/>
+        <p:nvPr/>
+      </p:nvGrpSpPr>
+      <p:grpSpPr>
+        <a:xfrm>
+          <a:off x="0" y="0"/>
+          <a:ext cx="0" cy="0"/>
+          <a:chOff x="0" y="0"/>
+          <a:chExt cx="0" cy="0"/>
+        </a:xfrm>
+      </p:grpSpPr>
+      <p:sp>
+        <p:nvSpPr>
           <p:cNvPr id="2" name="Title 1">
             <a:extLst>
               <a:ext uri="{FF2B5EF4-FFF2-40B4-BE49-F238E27FC236}">
@@ -5499,13 +5654,7 @@
           <a:p>
             <a:r>
               <a:rPr lang="en-US" sz="3200" dirty="0"/>
-              <a:t>Access outside the browser</a:t>
-            </a:r>
-          </a:p>
-          <a:p>
-            <a:r>
-              <a:rPr lang="en-US" sz="3200" dirty="0"/>
-              <a:t>Has been out of beta less than 2 year</a:t>
+              <a:t>Access outside the browser (Ports)</a:t>
             </a:r>
           </a:p>
           <a:p>
@@ -5682,55 +5831,6 @@
                       </p:childTnLst>
                     </p:cTn>
                   </p:par>
-                  <p:par>
-                    <p:cTn id="15" fill="hold">
-                      <p:stCondLst>
-                        <p:cond delay="indefinite"/>
-                      </p:stCondLst>
-                      <p:childTnLst>
-                        <p:par>
-                          <p:cTn id="16" fill="hold">
-                            <p:stCondLst>
-                              <p:cond delay="0"/>
-                            </p:stCondLst>
-                            <p:childTnLst>
-                              <p:par>
-                                <p:cTn id="17" presetID="1" presetClass="entr" presetSubtype="0" fill="hold" grpId="0" nodeType="clickEffect">
-                                  <p:stCondLst>
-                                    <p:cond delay="0"/>
-                                  </p:stCondLst>
-                                  <p:childTnLst>
-                                    <p:set>
-                                      <p:cBhvr>
-                                        <p:cTn id="18" dur="1" fill="hold">
-                                          <p:stCondLst>
-                                            <p:cond delay="0"/>
-                                          </p:stCondLst>
-                                        </p:cTn>
-                                        <p:tgtEl>
-                                          <p:spTgt spid="4">
-                                            <p:txEl>
-                                              <p:pRg st="3" end="3"/>
-                                            </p:txEl>
-                                          </p:spTgt>
-                                        </p:tgtEl>
-                                        <p:attrNameLst>
-                                          <p:attrName>style.visibility</p:attrName>
-                                        </p:attrNameLst>
-                                      </p:cBhvr>
-                                      <p:to>
-                                        <p:strVal val="visible"/>
-                                      </p:to>
-                                    </p:set>
-                                  </p:childTnLst>
-                                </p:cTn>
-                              </p:par>
-                            </p:childTnLst>
-                          </p:cTn>
-                        </p:par>
-                      </p:childTnLst>
-                    </p:cTn>
-                  </p:par>
                 </p:childTnLst>
               </p:cTn>
               <p:prevCondLst>
@@ -5759,105 +5859,6 @@
 </p:sld>
 </file>
 
-<file path=ppt/slides/slide18.xml><?xml version="1.0" encoding="utf-8"?>
-<p:sld xmlns:a="http://schemas.openxmlformats.org/drawingml/2006/main" xmlns:r="http://schemas.openxmlformats.org/officeDocument/2006/relationships" xmlns:p="http://schemas.openxmlformats.org/presentationml/2006/main">
-  <p:cSld>
-    <p:spTree>
-      <p:nvGrpSpPr>
-        <p:cNvPr id="1" name=""/>
-        <p:cNvGrpSpPr/>
-        <p:nvPr/>
-      </p:nvGrpSpPr>
-      <p:grpSpPr>
-        <a:xfrm>
-          <a:off x="0" y="0"/>
-          <a:ext cx="0" cy="0"/>
-          <a:chOff x="0" y="0"/>
-          <a:chExt cx="0" cy="0"/>
-        </a:xfrm>
-      </p:grpSpPr>
-      <p:sp>
-        <p:nvSpPr>
-          <p:cNvPr id="2" name="Title 1">
-            <a:extLst>
-              <a:ext uri="{FF2B5EF4-FFF2-40B4-BE49-F238E27FC236}">
-                <a16:creationId xmlns:a16="http://schemas.microsoft.com/office/drawing/2014/main" id="{AB138742-26DD-4BE6-AC23-F01062826A85}"/>
-              </a:ext>
-            </a:extLst>
-          </p:cNvPr>
-          <p:cNvSpPr>
-            <a:spLocks noGrp="1"/>
-          </p:cNvSpPr>
-          <p:nvPr>
-            <p:ph type="title"/>
-          </p:nvPr>
-        </p:nvSpPr>
-        <p:spPr/>
-        <p:txBody>
-          <a:bodyPr/>
-          <a:lstStyle/>
-          <a:p>
-            <a:r>
-              <a:rPr lang="en-US" dirty="0"/>
-              <a:t>General UI testing strategies	</a:t>
-            </a:r>
-          </a:p>
-        </p:txBody>
-      </p:sp>
-      <p:sp>
-        <p:nvSpPr>
-          <p:cNvPr id="3" name="Text Placeholder 2">
-            <a:extLst>
-              <a:ext uri="{FF2B5EF4-FFF2-40B4-BE49-F238E27FC236}">
-                <a16:creationId xmlns:a16="http://schemas.microsoft.com/office/drawing/2014/main" id="{F32085BE-D0A7-4F66-A2A9-253D1A3164FD}"/>
-              </a:ext>
-            </a:extLst>
-          </p:cNvPr>
-          <p:cNvSpPr>
-            <a:spLocks noGrp="1"/>
-          </p:cNvSpPr>
-          <p:nvPr>
-            <p:ph type="body" idx="1"/>
-          </p:nvPr>
-        </p:nvSpPr>
-        <p:spPr/>
-        <p:txBody>
-          <a:bodyPr/>
-          <a:lstStyle/>
-          <a:p>
-            <a:r>
-              <a:rPr lang="en-US" dirty="0"/>
-              <a:t>HTML Data Attribute</a:t>
-            </a:r>
-          </a:p>
-          <a:p>
-            <a:r>
-              <a:rPr lang="en-US" dirty="0"/>
-              <a:t>Page Object Pattern</a:t>
-            </a:r>
-          </a:p>
-          <a:p>
-            <a:r>
-              <a:rPr lang="en-US" dirty="0"/>
-              <a:t>Write in a way that product representative can participate</a:t>
-            </a:r>
-          </a:p>
-        </p:txBody>
-      </p:sp>
-    </p:spTree>
-    <p:extLst>
-      <p:ext uri="{BB962C8B-B14F-4D97-AF65-F5344CB8AC3E}">
-        <p14:creationId xmlns:p14="http://schemas.microsoft.com/office/powerpoint/2010/main" val="387887261"/>
-      </p:ext>
-    </p:extLst>
-  </p:cSld>
-  <p:clrMapOvr>
-    <a:masterClrMapping/>
-  </p:clrMapOvr>
-  <p:transition spd="med"/>
-</p:sld>
-</file>
-
 <file path=ppt/slides/slide19.xml><?xml version="1.0" encoding="utf-8"?>
 <p:sld xmlns:a="http://schemas.openxmlformats.org/drawingml/2006/main" xmlns:r="http://schemas.openxmlformats.org/officeDocument/2006/relationships" xmlns:p="http://schemas.openxmlformats.org/presentationml/2006/main">
   <p:cSld>
@@ -5877,10 +5878,10 @@
       </p:grpSpPr>
       <p:sp>
         <p:nvSpPr>
-          <p:cNvPr id="4" name="Title 3">
+          <p:cNvPr id="2" name="Title 1">
             <a:extLst>
               <a:ext uri="{FF2B5EF4-FFF2-40B4-BE49-F238E27FC236}">
-                <a16:creationId xmlns:a16="http://schemas.microsoft.com/office/drawing/2014/main" id="{1C750C0D-E4F7-0040-A862-A916AFD682BC}"/>
+                <a16:creationId xmlns:a16="http://schemas.microsoft.com/office/drawing/2014/main" id="{AB138742-26DD-4BE6-AC23-F01062826A85}"/>
               </a:ext>
             </a:extLst>
           </p:cNvPr>
@@ -5898,17 +5899,17 @@
           <a:p>
             <a:r>
               <a:rPr lang="en-US" dirty="0"/>
-              <a:t>Cypress Exercise	</a:t>
-            </a:r>
-          </a:p>
-        </p:txBody>
-      </p:sp>
-      <p:sp>
-        <p:nvSpPr>
-          <p:cNvPr id="5" name="Text Placeholder 4">
+              <a:t>General UI testing strategies	</a:t>
+            </a:r>
+          </a:p>
+        </p:txBody>
+      </p:sp>
+      <p:sp>
+        <p:nvSpPr>
+          <p:cNvPr id="3" name="Text Placeholder 2">
             <a:extLst>
               <a:ext uri="{FF2B5EF4-FFF2-40B4-BE49-F238E27FC236}">
-                <a16:creationId xmlns:a16="http://schemas.microsoft.com/office/drawing/2014/main" id="{15197F41-F473-0F4A-A81D-5F91612D18E5}"/>
+                <a16:creationId xmlns:a16="http://schemas.microsoft.com/office/drawing/2014/main" id="{F32085BE-D0A7-4F66-A2A9-253D1A3164FD}"/>
               </a:ext>
             </a:extLst>
           </p:cNvPr>
@@ -5916,7 +5917,7 @@
             <a:spLocks noGrp="1"/>
           </p:cNvSpPr>
           <p:nvPr>
-            <p:ph type="body" sz="quarter" idx="1"/>
+            <p:ph type="body" idx="1"/>
           </p:nvPr>
         </p:nvSpPr>
         <p:spPr/>
@@ -5924,14 +5925,29 @@
           <a:bodyPr/>
           <a:lstStyle/>
           <a:p>
-            <a:endParaRPr lang="en-US" dirty="0"/>
+            <a:r>
+              <a:rPr lang="en-US" dirty="0"/>
+              <a:t>HTML Data Attribute</a:t>
+            </a:r>
+          </a:p>
+          <a:p>
+            <a:r>
+              <a:rPr lang="en-US" dirty="0"/>
+              <a:t>Page Object Pattern</a:t>
+            </a:r>
+          </a:p>
+          <a:p>
+            <a:r>
+              <a:rPr lang="en-US" dirty="0"/>
+              <a:t>Write in a way that product representative can participate</a:t>
+            </a:r>
           </a:p>
         </p:txBody>
       </p:sp>
     </p:spTree>
     <p:extLst>
       <p:ext uri="{BB962C8B-B14F-4D97-AF65-F5344CB8AC3E}">
-        <p14:creationId xmlns:p14="http://schemas.microsoft.com/office/powerpoint/2010/main" val="2574845375"/>
+        <p14:creationId xmlns:p14="http://schemas.microsoft.com/office/powerpoint/2010/main" val="387887261"/>
       </p:ext>
     </p:extLst>
   </p:cSld>
@@ -6108,6 +6124,189 @@
       </p:grpSpPr>
       <p:sp>
         <p:nvSpPr>
+          <p:cNvPr id="4" name="Title 3">
+            <a:extLst>
+              <a:ext uri="{FF2B5EF4-FFF2-40B4-BE49-F238E27FC236}">
+                <a16:creationId xmlns:a16="http://schemas.microsoft.com/office/drawing/2014/main" id="{1C750C0D-E4F7-0040-A862-A916AFD682BC}"/>
+              </a:ext>
+            </a:extLst>
+          </p:cNvPr>
+          <p:cNvSpPr>
+            <a:spLocks noGrp="1"/>
+          </p:cNvSpPr>
+          <p:nvPr>
+            <p:ph type="title"/>
+          </p:nvPr>
+        </p:nvSpPr>
+        <p:spPr/>
+        <p:txBody>
+          <a:bodyPr/>
+          <a:lstStyle/>
+          <a:p>
+            <a:r>
+              <a:rPr lang="en-US" dirty="0"/>
+              <a:t>Cypress Exercise	</a:t>
+            </a:r>
+          </a:p>
+        </p:txBody>
+      </p:sp>
+      <p:sp>
+        <p:nvSpPr>
+          <p:cNvPr id="5" name="Text Placeholder 4">
+            <a:extLst>
+              <a:ext uri="{FF2B5EF4-FFF2-40B4-BE49-F238E27FC236}">
+                <a16:creationId xmlns:a16="http://schemas.microsoft.com/office/drawing/2014/main" id="{15197F41-F473-0F4A-A81D-5F91612D18E5}"/>
+              </a:ext>
+            </a:extLst>
+          </p:cNvPr>
+          <p:cNvSpPr>
+            <a:spLocks noGrp="1"/>
+          </p:cNvSpPr>
+          <p:nvPr>
+            <p:ph type="body" sz="quarter" idx="1"/>
+          </p:nvPr>
+        </p:nvSpPr>
+        <p:spPr>
+          <a:xfrm>
+            <a:off x="839787" y="3965660"/>
+            <a:ext cx="7279644" cy="533316"/>
+          </a:xfrm>
+        </p:spPr>
+        <p:txBody>
+          <a:bodyPr>
+            <a:normAutofit fontScale="85000" lnSpcReduction="10000"/>
+          </a:bodyPr>
+          <a:lstStyle/>
+          <a:p>
+            <a:r>
+              <a:rPr lang="en-US" dirty="0"/>
+              <a:t>https://github.com/MatthewYKnowles/expert-beginners-july-2020</a:t>
+            </a:r>
+          </a:p>
+        </p:txBody>
+      </p:sp>
+    </p:spTree>
+    <p:extLst>
+      <p:ext uri="{BB962C8B-B14F-4D97-AF65-F5344CB8AC3E}">
+        <p14:creationId xmlns:p14="http://schemas.microsoft.com/office/powerpoint/2010/main" val="2574845375"/>
+      </p:ext>
+    </p:extLst>
+  </p:cSld>
+  <p:clrMapOvr>
+    <a:masterClrMapping/>
+  </p:clrMapOvr>
+  <p:transition spd="med"/>
+</p:sld>
+</file>
+
+<file path=ppt/slides/slide21.xml><?xml version="1.0" encoding="utf-8"?>
+<p:sld xmlns:a="http://schemas.openxmlformats.org/drawingml/2006/main" xmlns:r="http://schemas.openxmlformats.org/officeDocument/2006/relationships" xmlns:p="http://schemas.openxmlformats.org/presentationml/2006/main">
+  <p:cSld>
+    <p:spTree>
+      <p:nvGrpSpPr>
+        <p:cNvPr id="1" name=""/>
+        <p:cNvGrpSpPr/>
+        <p:nvPr/>
+      </p:nvGrpSpPr>
+      <p:grpSpPr>
+        <a:xfrm>
+          <a:off x="0" y="0"/>
+          <a:ext cx="0" cy="0"/>
+          <a:chOff x="0" y="0"/>
+          <a:chExt cx="0" cy="0"/>
+        </a:xfrm>
+      </p:grpSpPr>
+      <p:sp>
+        <p:nvSpPr>
+          <p:cNvPr id="2" name="Title 1">
+            <a:extLst>
+              <a:ext uri="{FF2B5EF4-FFF2-40B4-BE49-F238E27FC236}">
+                <a16:creationId xmlns:a16="http://schemas.microsoft.com/office/drawing/2014/main" id="{41093316-EB6A-4238-A325-5EEA3C83D056}"/>
+              </a:ext>
+            </a:extLst>
+          </p:cNvPr>
+          <p:cNvSpPr>
+            <a:spLocks noGrp="1"/>
+          </p:cNvSpPr>
+          <p:nvPr>
+            <p:ph type="title"/>
+          </p:nvPr>
+        </p:nvSpPr>
+        <p:spPr/>
+        <p:txBody>
+          <a:bodyPr/>
+          <a:lstStyle/>
+          <a:p>
+            <a:r>
+              <a:rPr lang="en-US" dirty="0"/>
+              <a:t>Cypress Dashboard</a:t>
+            </a:r>
+          </a:p>
+        </p:txBody>
+      </p:sp>
+      <p:sp>
+        <p:nvSpPr>
+          <p:cNvPr id="3" name="Text Placeholder 2">
+            <a:extLst>
+              <a:ext uri="{FF2B5EF4-FFF2-40B4-BE49-F238E27FC236}">
+                <a16:creationId xmlns:a16="http://schemas.microsoft.com/office/drawing/2014/main" id="{A469A4B6-BC1B-4C10-887A-359C3A82E00D}"/>
+              </a:ext>
+            </a:extLst>
+          </p:cNvPr>
+          <p:cNvSpPr>
+            <a:spLocks noGrp="1"/>
+          </p:cNvSpPr>
+          <p:nvPr>
+            <p:ph type="body" sz="quarter" idx="1"/>
+          </p:nvPr>
+        </p:nvSpPr>
+        <p:spPr/>
+        <p:txBody>
+          <a:bodyPr>
+            <a:normAutofit fontScale="70000" lnSpcReduction="20000"/>
+          </a:bodyPr>
+          <a:lstStyle/>
+          <a:p>
+            <a:r>
+              <a:rPr lang="en-US" dirty="0"/>
+              <a:t>https://dashboard.cypress.io/projects/fn7tfg/runs</a:t>
+            </a:r>
+          </a:p>
+        </p:txBody>
+      </p:sp>
+    </p:spTree>
+    <p:extLst>
+      <p:ext uri="{BB962C8B-B14F-4D97-AF65-F5344CB8AC3E}">
+        <p14:creationId xmlns:p14="http://schemas.microsoft.com/office/powerpoint/2010/main" val="376742531"/>
+      </p:ext>
+    </p:extLst>
+  </p:cSld>
+  <p:clrMapOvr>
+    <a:masterClrMapping/>
+  </p:clrMapOvr>
+  <p:transition spd="med"/>
+</p:sld>
+</file>
+
+<file path=ppt/slides/slide22.xml><?xml version="1.0" encoding="utf-8"?>
+<p:sld xmlns:a="http://schemas.openxmlformats.org/drawingml/2006/main" xmlns:r="http://schemas.openxmlformats.org/officeDocument/2006/relationships" xmlns:p="http://schemas.openxmlformats.org/presentationml/2006/main">
+  <p:cSld>
+    <p:spTree>
+      <p:nvGrpSpPr>
+        <p:cNvPr id="1" name=""/>
+        <p:cNvGrpSpPr/>
+        <p:nvPr/>
+      </p:nvGrpSpPr>
+      <p:grpSpPr>
+        <a:xfrm>
+          <a:off x="0" y="0"/>
+          <a:ext cx="0" cy="0"/>
+          <a:chOff x="0" y="0"/>
+          <a:chExt cx="0" cy="0"/>
+        </a:xfrm>
+      </p:grpSpPr>
+      <p:sp>
+        <p:nvSpPr>
           <p:cNvPr id="2" name="Title 1">
             <a:extLst>
               <a:ext uri="{FF2B5EF4-FFF2-40B4-BE49-F238E27FC236}">
@@ -6155,7 +6354,7 @@
 </p:sld>
 </file>
 
-<file path=ppt/slides/slide21.xml><?xml version="1.0" encoding="utf-8"?>
+<file path=ppt/slides/slide23.xml><?xml version="1.0" encoding="utf-8"?>
 <p:sld xmlns:a="http://schemas.openxmlformats.org/drawingml/2006/main" xmlns:r="http://schemas.openxmlformats.org/officeDocument/2006/relationships" xmlns:p="http://schemas.openxmlformats.org/presentationml/2006/main">
   <p:cSld>
     <p:spTree>
@@ -6296,7 +6495,7 @@
 </p:sld>
 </file>
 
-<file path=ppt/slides/slide22.xml><?xml version="1.0" encoding="utf-8"?>
+<file path=ppt/slides/slide24.xml><?xml version="1.0" encoding="utf-8"?>
 <p:sld xmlns:a="http://schemas.openxmlformats.org/drawingml/2006/main" xmlns:r="http://schemas.openxmlformats.org/officeDocument/2006/relationships" xmlns:p="http://schemas.openxmlformats.org/presentationml/2006/main">
   <p:cSld>
     <p:spTree>
@@ -6452,7 +6651,7 @@
 </p:sld>
 </file>
 
-<file path=ppt/slides/slide23.xml><?xml version="1.0" encoding="utf-8"?>
+<file path=ppt/slides/slide25.xml><?xml version="1.0" encoding="utf-8"?>
 <p:sld xmlns:a="http://schemas.openxmlformats.org/drawingml/2006/main" xmlns:r="http://schemas.openxmlformats.org/officeDocument/2006/relationships" xmlns:p="http://schemas.openxmlformats.org/presentationml/2006/main">
   <p:cSld>
     <p:spTree>
